--- a/template_pptx/thepureum-template-windows.pptx
+++ b/template_pptx/thepureum-template-windows.pptx
@@ -7,11 +7,8 @@
     <p:sldMasterId id="2147483737" r:id="rId3"/>
   </p:sldMasterIdLst>
   <p:notesMasterIdLst>
-    <p:notesMasterId r:id="rId5"/>
+    <p:notesMasterId r:id="rId4"/>
   </p:notesMasterIdLst>
-  <p:sldIdLst>
-    <p:sldId id="256" r:id="rId4"/>
-  </p:sldIdLst>
   <p:sldSz cx="12192000" cy="6858000"/>
   <p:notesSz cx="6858000" cy="9144000"/>
   <p:defaultTextStyle>
@@ -199,7 +196,7 @@
           <a:p>
             <a:fld id="{B406348C-1D63-1347-B69C-E0538F595599}" type="datetimeFigureOut">
               <a:rPr kumimoji="1" lang="ko-Kore-KR" altLang="en-US" smtClean="0"/>
-              <a:t>02/18/2024</a:t>
+              <a:t>03/03/2024</a:t>
             </a:fld>
             <a:endParaRPr kumimoji="1" lang="ko-Kore-KR" altLang="en-US"/>
           </a:p>
@@ -844,7 +841,7 @@
           <a:p>
             <a:pPr algn="ctr"/>
             <a:r>
-              <a:rPr lang="en-KR" sz="4000" dirty="0">
+              <a:rPr lang="en-KR" sz="4000">
                 <a:solidFill>
                   <a:schemeClr val="accent6">
                     <a:lumMod val="60000"/>
@@ -3291,6 +3288,112 @@
       </p:sp>
       <p:sp>
         <p:nvSpPr>
+          <p:cNvPr id="7" name="Text Placeholder 6">
+            <a:extLst>
+              <a:ext uri="{FF2B5EF4-FFF2-40B4-BE49-F238E27FC236}">
+                <a16:creationId xmlns:a16="http://schemas.microsoft.com/office/drawing/2014/main" id="{AC4663F7-1586-8F2E-0400-516088FE077D}"/>
+              </a:ext>
+            </a:extLst>
+          </p:cNvPr>
+          <p:cNvSpPr>
+            <a:spLocks noGrp="1"/>
+          </p:cNvSpPr>
+          <p:nvPr>
+            <p:ph type="body" sz="quarter" idx="10" hasCustomPrompt="1"/>
+          </p:nvPr>
+        </p:nvSpPr>
+        <p:spPr>
+          <a:xfrm>
+            <a:off x="1212907" y="1517990"/>
+            <a:ext cx="9766185" cy="1181100"/>
+          </a:xfrm>
+          <a:prstGeom prst="rect">
+            <a:avLst/>
+          </a:prstGeom>
+        </p:spPr>
+        <p:txBody>
+          <a:bodyPr anchor="ctr"/>
+          <a:lstStyle>
+            <a:lvl1pPr marL="0" indent="0" algn="ctr">
+              <a:buNone/>
+              <a:defRPr sz="4800" b="1" spc="600">
+                <a:latin typeface="배달의민족 연성" panose="020B0600000101010101" pitchFamily="50" charset="-127"/>
+                <a:ea typeface="배달의민족 연성" panose="020B0600000101010101" pitchFamily="50" charset="-127"/>
+              </a:defRPr>
+            </a:lvl1pPr>
+          </a:lstStyle>
+          <a:p>
+            <a:pPr lvl="0"/>
+            <a:r>
+              <a:rPr lang="ko-KR" altLang="en-US" dirty="0">
+                <a:latin typeface="BM YEONSUNG OTF" panose="020B0600000101010101" pitchFamily="34" charset="-127"/>
+                <a:ea typeface="BM YEONSUNG OTF" panose="020B0600000101010101" pitchFamily="34" charset="-127"/>
+              </a:rPr>
+              <a:t>말 씀 </a:t>
+            </a:r>
+            <a:r>
+              <a:rPr lang="en-US" altLang="ko-KR" dirty="0">
+                <a:latin typeface="BM YEONSUNG OTF" panose="020B0600000101010101" pitchFamily="34" charset="-127"/>
+                <a:ea typeface="BM YEONSUNG OTF" panose="020B0600000101010101" pitchFamily="34" charset="-127"/>
+              </a:rPr>
+              <a:t>|</a:t>
+            </a:r>
+            <a:r>
+              <a:rPr lang="ko-KR" altLang="en-US" dirty="0">
+                <a:latin typeface="BM YEONSUNG OTF" panose="020B0600000101010101" pitchFamily="34" charset="-127"/>
+                <a:ea typeface="BM YEONSUNG OTF" panose="020B0600000101010101" pitchFamily="34" charset="-127"/>
+              </a:rPr>
+              <a:t> 장해윤 목사님</a:t>
+            </a:r>
+            <a:endParaRPr lang="en-KR" dirty="0"/>
+          </a:p>
+        </p:txBody>
+      </p:sp>
+      <p:sp>
+        <p:nvSpPr>
+          <p:cNvPr id="8" name="TextBox 7">
+            <a:extLst>
+              <a:ext uri="{FF2B5EF4-FFF2-40B4-BE49-F238E27FC236}">
+                <a16:creationId xmlns:a16="http://schemas.microsoft.com/office/drawing/2014/main" id="{4D25FD0E-D3E0-0E6C-8779-EF8B09200B0C}"/>
+              </a:ext>
+            </a:extLst>
+          </p:cNvPr>
+          <p:cNvSpPr txBox="1"/>
+          <p:nvPr userDrawn="1"/>
+        </p:nvSpPr>
+        <p:spPr>
+          <a:xfrm>
+            <a:off x="5150066" y="2660990"/>
+            <a:ext cx="1891865" cy="584775"/>
+          </a:xfrm>
+          <a:prstGeom prst="rect">
+            <a:avLst/>
+          </a:prstGeom>
+          <a:noFill/>
+        </p:spPr>
+        <p:txBody>
+          <a:bodyPr wrap="none" rtlCol="0">
+            <a:spAutoFit/>
+          </a:bodyPr>
+          <a:lstStyle/>
+          <a:p>
+            <a:pPr algn="ctr"/>
+            <a:r>
+              <a:rPr lang="en-US" sz="3200" b="1" spc="600" dirty="0">
+                <a:latin typeface="배달의민족 연성" panose="020B0600000101010101" pitchFamily="50" charset="-127"/>
+                <a:ea typeface="배달의민족 연성" panose="020B0600000101010101" pitchFamily="50" charset="-127"/>
+              </a:rPr>
+              <a:t>Sermon</a:t>
+            </a:r>
+            <a:endParaRPr lang="en-KR" sz="3200" b="1" spc="600" dirty="0">
+              <a:latin typeface="배달의민족 연성" panose="020B0600000101010101" pitchFamily="50" charset="-127"/>
+              <a:ea typeface="배달의민족 연성" panose="020B0600000101010101" pitchFamily="50" charset="-127"/>
+            </a:endParaRPr>
+          </a:p>
+        </p:txBody>
+      </p:sp>
+      <p:sp>
+        <p:nvSpPr>
           <p:cNvPr id="10" name="Text Placeholder 9">
             <a:extLst>
               <a:ext uri="{FF2B5EF4-FFF2-40B4-BE49-F238E27FC236}">
@@ -3328,7 +3431,10 @@
           <a:p>
             <a:pPr lvl="0"/>
             <a:r>
-              <a:rPr lang="en-US" dirty="0"/>
+              <a:rPr lang="en-US" dirty="0">
+                <a:latin typeface="BM YEONSUNG OTF" panose="020B0600000101010101" pitchFamily="34" charset="-127"/>
+                <a:ea typeface="BM YEONSUNG OTF" panose="020B0600000101010101" pitchFamily="34" charset="-127"/>
+              </a:rPr>
               <a:t>Title</a:t>
             </a:r>
             <a:endParaRPr lang="en-KR" dirty="0"/>
@@ -3374,113 +3480,13 @@
           <a:p>
             <a:pPr lvl="0"/>
             <a:r>
-              <a:rPr lang="en-US" dirty="0"/>
+              <a:rPr lang="en-US" altLang="ko-KR" b="0" dirty="0">
+                <a:latin typeface="BM YEONSUNG OTF" panose="020B0600000101010101" pitchFamily="34" charset="-127"/>
+                <a:ea typeface="BM YEONSUNG OTF" panose="020B0600000101010101" pitchFamily="34" charset="-127"/>
+              </a:rPr>
               <a:t>Phrase</a:t>
             </a:r>
             <a:endParaRPr lang="en-KR" dirty="0"/>
-          </a:p>
-        </p:txBody>
-      </p:sp>
-      <p:sp>
-        <p:nvSpPr>
-          <p:cNvPr id="4" name="TextBox 3">
-            <a:extLst>
-              <a:ext uri="{FF2B5EF4-FFF2-40B4-BE49-F238E27FC236}">
-                <a16:creationId xmlns:a16="http://schemas.microsoft.com/office/drawing/2014/main" id="{E1E803FD-E892-0493-983D-C45BE9AE5F56}"/>
-              </a:ext>
-            </a:extLst>
-          </p:cNvPr>
-          <p:cNvSpPr txBox="1"/>
-          <p:nvPr userDrawn="1"/>
-        </p:nvSpPr>
-        <p:spPr>
-          <a:xfrm>
-            <a:off x="3620801" y="1760544"/>
-            <a:ext cx="4950394" cy="830997"/>
-          </a:xfrm>
-          <a:prstGeom prst="rect">
-            <a:avLst/>
-          </a:prstGeom>
-          <a:noFill/>
-        </p:spPr>
-        <p:txBody>
-          <a:bodyPr wrap="none" rtlCol="0">
-            <a:spAutoFit/>
-          </a:bodyPr>
-          <a:lstStyle/>
-          <a:p>
-            <a:pPr algn="ctr"/>
-            <a:r>
-              <a:rPr lang="ko-KR" altLang="en-US" sz="4800" b="1" dirty="0">
-                <a:latin typeface="배달의민족 연성" panose="020B0600000101010101" pitchFamily="50" charset="-127"/>
-                <a:ea typeface="배달의민족 연성" panose="020B0600000101010101" pitchFamily="50" charset="-127"/>
-              </a:rPr>
-              <a:t>말  씀  </a:t>
-            </a:r>
-            <a:r>
-              <a:rPr lang="en-US" altLang="ko-KR" sz="4800" b="1" dirty="0">
-                <a:latin typeface="배달의민족 연성" panose="020B0600000101010101" pitchFamily="50" charset="-127"/>
-                <a:ea typeface="배달의민족 연성" panose="020B0600000101010101" pitchFamily="50" charset="-127"/>
-              </a:rPr>
-              <a:t>|  </a:t>
-            </a:r>
-            <a:r>
-              <a:rPr lang="ko-KR" altLang="en-US" sz="4800" b="1" dirty="0" err="1">
-                <a:latin typeface="배달의민족 연성" panose="020B0600000101010101" pitchFamily="50" charset="-127"/>
-                <a:ea typeface="배달의민족 연성" panose="020B0600000101010101" pitchFamily="50" charset="-127"/>
-              </a:rPr>
-              <a:t>장해윤</a:t>
-            </a:r>
-            <a:r>
-              <a:rPr lang="ko-KR" altLang="en-US" sz="4800" b="1" dirty="0">
-                <a:latin typeface="배달의민족 연성" panose="020B0600000101010101" pitchFamily="50" charset="-127"/>
-                <a:ea typeface="배달의민족 연성" panose="020B0600000101010101" pitchFamily="50" charset="-127"/>
-              </a:rPr>
-              <a:t> 목사님</a:t>
-            </a:r>
-          </a:p>
-        </p:txBody>
-      </p:sp>
-      <p:sp>
-        <p:nvSpPr>
-          <p:cNvPr id="5" name="TextBox 4">
-            <a:extLst>
-              <a:ext uri="{FF2B5EF4-FFF2-40B4-BE49-F238E27FC236}">
-                <a16:creationId xmlns:a16="http://schemas.microsoft.com/office/drawing/2014/main" id="{3FC62309-B7E5-938F-9C71-BC4991F600BD}"/>
-              </a:ext>
-            </a:extLst>
-          </p:cNvPr>
-          <p:cNvSpPr txBox="1"/>
-          <p:nvPr userDrawn="1"/>
-        </p:nvSpPr>
-        <p:spPr>
-          <a:xfrm>
-            <a:off x="5404943" y="2849028"/>
-            <a:ext cx="1382110" cy="584775"/>
-          </a:xfrm>
-          <a:prstGeom prst="rect">
-            <a:avLst/>
-          </a:prstGeom>
-          <a:noFill/>
-        </p:spPr>
-        <p:txBody>
-          <a:bodyPr wrap="none" rtlCol="0">
-            <a:spAutoFit/>
-          </a:bodyPr>
-          <a:lstStyle/>
-          <a:p>
-            <a:pPr algn="ctr"/>
-            <a:r>
-              <a:rPr lang="en-US" altLang="ko-KR" sz="3200" b="1" dirty="0">
-                <a:latin typeface="배달의민족 연성" panose="020B0600000101010101" pitchFamily="50" charset="-127"/>
-                <a:ea typeface="배달의민족 연성" panose="020B0600000101010101" pitchFamily="50" charset="-127"/>
-              </a:rPr>
-              <a:t>Sermon</a:t>
-            </a:r>
-            <a:endParaRPr lang="ko-KR" altLang="en-US" sz="3200" b="1" dirty="0">
-              <a:latin typeface="배달의민족 연성" panose="020B0600000101010101" pitchFamily="50" charset="-127"/>
-              <a:ea typeface="배달의민족 연성" panose="020B0600000101010101" pitchFamily="50" charset="-127"/>
-            </a:endParaRPr>
           </a:p>
         </p:txBody>
       </p:sp>
@@ -4302,8 +4308,8 @@
                 <a:solidFill>
                   <a:schemeClr val="bg1"/>
                 </a:solidFill>
-                <a:latin typeface="210 수필명조 030" panose="02020603020101020101" pitchFamily="18" charset="-127"/>
-                <a:ea typeface="210 수필명조 030" panose="02020603020101020101" pitchFamily="18" charset="-127"/>
+                <a:latin typeface="210 수필명조 020" panose="02020603020101020101" pitchFamily="18" charset="-127"/>
+                <a:ea typeface="210 수필명조 020" panose="02020603020101020101" pitchFamily="18" charset="-127"/>
               </a:defRPr>
             </a:lvl1pPr>
           </a:lstStyle>
@@ -4351,8 +4357,8 @@
                 <a:solidFill>
                   <a:schemeClr val="bg1"/>
                 </a:solidFill>
-                <a:latin typeface="210 수필명조 030" panose="02020603020101020101" pitchFamily="18" charset="-127"/>
-                <a:ea typeface="210 수필명조 030" panose="02020603020101020101" pitchFamily="18" charset="-127"/>
+                <a:latin typeface="210 수필명조 020" panose="02020603020101020101" pitchFamily="18" charset="-127"/>
+                <a:ea typeface="210 수필명조 020" panose="02020603020101020101" pitchFamily="18" charset="-127"/>
               </a:defRPr>
             </a:lvl1pPr>
           </a:lstStyle>
@@ -4429,8 +4435,8 @@
                 <a:solidFill>
                   <a:schemeClr val="bg1"/>
                 </a:solidFill>
-                <a:latin typeface="210 수필명조 030" panose="02020603020101020101" pitchFamily="18" charset="-127"/>
-                <a:ea typeface="210 수필명조 030" panose="02020603020101020101" pitchFamily="18" charset="-127"/>
+                <a:latin typeface="210 수필명조 020" panose="02020603020101020101" pitchFamily="18" charset="-127"/>
+                <a:ea typeface="210 수필명조 020" panose="02020603020101020101" pitchFamily="18" charset="-127"/>
               </a:defRPr>
             </a:lvl1pPr>
             <a:lvl2pPr>
@@ -5439,7 +5445,7 @@
           <a:p>
             <a:pPr algn="ctr"/>
             <a:r>
-              <a:rPr lang="en-KR" dirty="0">
+              <a:rPr lang="en-KR">
                 <a:latin typeface="Dreaming Outloud Pro" panose="020F0502020204030204" pitchFamily="34" charset="0"/>
                 <a:cs typeface="Dreaming Outloud Pro" panose="020F0502020204030204" pitchFamily="34" charset="0"/>
               </a:rPr>
@@ -8481,7 +8487,7 @@
         <p:spPr>
           <a:xfrm>
             <a:off x="819232" y="2234693"/>
-            <a:ext cx="4855780" cy="3231462"/>
+            <a:ext cx="4855780" cy="4029245"/>
           </a:xfrm>
           <a:prstGeom prst="rect">
             <a:avLst/>
@@ -8522,8 +8528,8 @@
                 <a:effectLst/>
                 <a:uLnTx/>
                 <a:uFillTx/>
-                <a:latin typeface="나눔스퀘어_ac Bold" panose="020B0600000101010101" pitchFamily="50" charset="-127"/>
-                <a:ea typeface="나눔스퀘어_ac Bold" panose="020B0600000101010101" pitchFamily="50" charset="-127"/>
+                <a:latin typeface="NanumGothic" panose="020D0604000000000000" pitchFamily="34" charset="-127"/>
+                <a:ea typeface="NanumGothic" panose="020D0604000000000000" pitchFamily="34" charset="-127"/>
               </a:rPr>
               <a:t>더 푸름 청년부 예배</a:t>
             </a:r>
@@ -8538,8 +8544,8 @@
                 <a:effectLst/>
                 <a:uLnTx/>
                 <a:uFillTx/>
-                <a:latin typeface="나눔스퀘어_ac Bold" panose="020B0600000101010101" pitchFamily="50" charset="-127"/>
-                <a:ea typeface="나눔스퀘어_ac Bold" panose="020B0600000101010101" pitchFamily="50" charset="-127"/>
+                <a:latin typeface="NanumGothic" panose="020D0604000000000000" pitchFamily="34" charset="-127"/>
+                <a:ea typeface="NanumGothic" panose="020D0604000000000000" pitchFamily="34" charset="-127"/>
               </a:rPr>
               <a:t>에 </a:t>
             </a:r>
@@ -8553,8 +8559,8 @@
               <a:effectLst/>
               <a:uLnTx/>
               <a:uFillTx/>
-              <a:latin typeface="나눔스퀘어_ac Bold" panose="020B0600000101010101" pitchFamily="50" charset="-127"/>
-              <a:ea typeface="나눔스퀘어_ac Bold" panose="020B0600000101010101" pitchFamily="50" charset="-127"/>
+              <a:latin typeface="NanumGothic" panose="020D0604000000000000" pitchFamily="34" charset="-127"/>
+              <a:ea typeface="NanumGothic" panose="020D0604000000000000" pitchFamily="34" charset="-127"/>
             </a:endParaRPr>
           </a:p>
           <a:p>
@@ -8586,8 +8592,8 @@
                 <a:effectLst/>
                 <a:uLnTx/>
                 <a:uFillTx/>
-                <a:latin typeface="나눔스퀘어_ac Bold" panose="020B0600000101010101" pitchFamily="50" charset="-127"/>
-                <a:ea typeface="나눔스퀘어_ac Bold" panose="020B0600000101010101" pitchFamily="50" charset="-127"/>
+                <a:latin typeface="NanumGothic" panose="020D0604000000000000" pitchFamily="34" charset="-127"/>
+                <a:ea typeface="NanumGothic" panose="020D0604000000000000" pitchFamily="34" charset="-127"/>
               </a:rPr>
               <a:t>오신 분들을</a:t>
             </a:r>
@@ -8601,8 +8607,8 @@
               <a:effectLst/>
               <a:uLnTx/>
               <a:uFillTx/>
-              <a:latin typeface="나눔스퀘어_ac Bold" panose="020B0600000101010101" pitchFamily="50" charset="-127"/>
-              <a:ea typeface="나눔스퀘어_ac Bold" panose="020B0600000101010101" pitchFamily="50" charset="-127"/>
+              <a:latin typeface="NanumGothic" panose="020D0604000000000000" pitchFamily="34" charset="-127"/>
+              <a:ea typeface="NanumGothic" panose="020D0604000000000000" pitchFamily="34" charset="-127"/>
             </a:endParaRPr>
           </a:p>
           <a:p>
@@ -8634,8 +8640,8 @@
                 <a:effectLst/>
                 <a:uLnTx/>
                 <a:uFillTx/>
-                <a:latin typeface="나눔스퀘어_ac Bold" panose="020B0600000101010101" pitchFamily="50" charset="-127"/>
-                <a:ea typeface="나눔스퀘어_ac Bold" panose="020B0600000101010101" pitchFamily="50" charset="-127"/>
+                <a:latin typeface="NanumGothic" panose="020D0604000000000000" pitchFamily="34" charset="-127"/>
+                <a:ea typeface="NanumGothic" panose="020D0604000000000000" pitchFamily="34" charset="-127"/>
               </a:rPr>
               <a:t>주님의 이름으로 환영합니다 </a:t>
             </a:r>
@@ -8650,8 +8656,8 @@
                 <a:effectLst/>
                 <a:uLnTx/>
                 <a:uFillTx/>
-                <a:latin typeface="나눔스퀘어_ac Bold" panose="020B0600000101010101" pitchFamily="50" charset="-127"/>
-                <a:ea typeface="나눔스퀘어_ac Bold" panose="020B0600000101010101" pitchFamily="50" charset="-127"/>
+                <a:latin typeface="NanumGothic" panose="020D0604000000000000" pitchFamily="34" charset="-127"/>
+                <a:ea typeface="NanumGothic" panose="020D0604000000000000" pitchFamily="34" charset="-127"/>
                 <a:sym typeface="Wingdings" pitchFamily="2" charset="2"/>
               </a:rPr>
               <a:t></a:t>
@@ -8666,8 +8672,8 @@
               <a:effectLst/>
               <a:uLnTx/>
               <a:uFillTx/>
-              <a:latin typeface="나눔스퀘어_ac Bold" panose="020B0600000101010101" pitchFamily="50" charset="-127"/>
-              <a:ea typeface="나눔스퀘어_ac Bold" panose="020B0600000101010101" pitchFamily="50" charset="-127"/>
+              <a:latin typeface="NanumGothic" panose="020D0604000000000000" pitchFamily="34" charset="-127"/>
+              <a:ea typeface="NanumGothic" panose="020D0604000000000000" pitchFamily="34" charset="-127"/>
             </a:endParaRPr>
           </a:p>
         </p:txBody>
@@ -8965,8 +8971,8 @@
                 <a:effectLst/>
                 <a:uLnTx/>
                 <a:uFillTx/>
-                <a:latin typeface="나눔스퀘어_ac Bold" panose="020B0600000101010101" pitchFamily="50" charset="-127"/>
-                <a:ea typeface="나눔스퀘어_ac Bold" panose="020B0600000101010101" pitchFamily="50" charset="-127"/>
+                <a:latin typeface="NanumSquareOTF_ac Bold" panose="020B0600000101010101" pitchFamily="34" charset="-127"/>
+                <a:ea typeface="NanumSquareOTF_ac Bold" panose="020B0600000101010101" pitchFamily="34" charset="-127"/>
                 <a:cs typeface="+mn-cs"/>
               </a:rPr>
               <a:t>이번 한 주도</a:t>
@@ -8981,8 +8987,8 @@
               <a:effectLst/>
               <a:uLnTx/>
               <a:uFillTx/>
-              <a:latin typeface="나눔스퀘어_ac Bold" panose="020B0600000101010101" pitchFamily="50" charset="-127"/>
-              <a:ea typeface="나눔스퀘어_ac Bold" panose="020B0600000101010101" pitchFamily="50" charset="-127"/>
+              <a:latin typeface="NanumSquareOTF_ac Bold" panose="020B0600000101010101" pitchFamily="34" charset="-127"/>
+              <a:ea typeface="NanumSquareOTF_ac Bold" panose="020B0600000101010101" pitchFamily="34" charset="-127"/>
               <a:cs typeface="+mn-cs"/>
             </a:endParaRPr>
           </a:p>
@@ -9015,8 +9021,8 @@
                 <a:effectLst/>
                 <a:uLnTx/>
                 <a:uFillTx/>
-                <a:latin typeface="나눔스퀘어_ac Bold" panose="020B0600000101010101" pitchFamily="50" charset="-127"/>
-                <a:ea typeface="나눔스퀘어_ac Bold" panose="020B0600000101010101" pitchFamily="50" charset="-127"/>
+                <a:latin typeface="NanumSquareOTF_ac Bold" panose="020B0600000101010101" pitchFamily="34" charset="-127"/>
+                <a:ea typeface="NanumSquareOTF_ac Bold" panose="020B0600000101010101" pitchFamily="34" charset="-127"/>
                 <a:cs typeface="+mn-cs"/>
               </a:rPr>
               <a:t>주님 안에서 </a:t>
@@ -9031,8 +9037,8 @@
               <a:effectLst/>
               <a:uLnTx/>
               <a:uFillTx/>
-              <a:latin typeface="나눔스퀘어_ac Bold" panose="020B0600000101010101" pitchFamily="50" charset="-127"/>
-              <a:ea typeface="나눔스퀘어_ac Bold" panose="020B0600000101010101" pitchFamily="50" charset="-127"/>
+              <a:latin typeface="NanumSquareOTF_ac Bold" panose="020B0600000101010101" pitchFamily="34" charset="-127"/>
+              <a:ea typeface="NanumSquareOTF_ac Bold" panose="020B0600000101010101" pitchFamily="34" charset="-127"/>
               <a:cs typeface="+mn-cs"/>
             </a:endParaRPr>
           </a:p>
@@ -9065,8 +9071,8 @@
                 <a:effectLst/>
                 <a:uLnTx/>
                 <a:uFillTx/>
-                <a:latin typeface="나눔스퀘어_ac Bold" panose="020B0600000101010101" pitchFamily="50" charset="-127"/>
-                <a:ea typeface="나눔스퀘어_ac Bold" panose="020B0600000101010101" pitchFamily="50" charset="-127"/>
+                <a:latin typeface="NanumSquareOTF_ac Bold" panose="020B0600000101010101" pitchFamily="34" charset="-127"/>
+                <a:ea typeface="NanumSquareOTF_ac Bold" panose="020B0600000101010101" pitchFamily="34" charset="-127"/>
                 <a:cs typeface="+mn-cs"/>
               </a:rPr>
               <a:t>승리하세요</a:t>
@@ -9082,8 +9088,8 @@
                 <a:effectLst/>
                 <a:uLnTx/>
                 <a:uFillTx/>
-                <a:latin typeface="나눔스퀘어_ac Bold" panose="020B0600000101010101" pitchFamily="50" charset="-127"/>
-                <a:ea typeface="나눔스퀘어_ac Bold" panose="020B0600000101010101" pitchFamily="50" charset="-127"/>
+                <a:latin typeface="NanumSquareOTF_ac Bold" panose="020B0600000101010101" pitchFamily="34" charset="-127"/>
+                <a:ea typeface="NanumSquareOTF_ac Bold" panose="020B0600000101010101" pitchFamily="34" charset="-127"/>
                 <a:cs typeface="+mn-cs"/>
                 <a:sym typeface="Wingdings" pitchFamily="2" charset="2"/>
               </a:rPr>
@@ -9099,8 +9105,8 @@
               <a:effectLst/>
               <a:uLnTx/>
               <a:uFillTx/>
-              <a:latin typeface="나눔스퀘어_ac Bold" panose="020B0600000101010101" pitchFamily="50" charset="-127"/>
-              <a:ea typeface="나눔스퀘어_ac Bold" panose="020B0600000101010101" pitchFamily="50" charset="-127"/>
+              <a:latin typeface="NanumSquareOTF_ac Bold" panose="020B0600000101010101" pitchFamily="34" charset="-127"/>
+              <a:ea typeface="NanumSquareOTF_ac Bold" panose="020B0600000101010101" pitchFamily="34" charset="-127"/>
               <a:cs typeface="+mn-cs"/>
             </a:endParaRPr>
           </a:p>
@@ -11245,8 +11251,8 @@
                 <a:solidFill>
                   <a:prstClr val="black"/>
                 </a:solidFill>
-                <a:latin typeface="BM YEONSUNG OTF" panose="020B0600000101010101" pitchFamily="34" charset="-127"/>
-                <a:ea typeface="BM YEONSUNG OTF" panose="020B0600000101010101" pitchFamily="34" charset="-127"/>
+                <a:latin typeface="배달의민족 연성" panose="020B0600000101010101" pitchFamily="50" charset="-127"/>
+                <a:ea typeface="배달의민족 연성" panose="020B0600000101010101" pitchFamily="50" charset="-127"/>
               </a:rPr>
               <a:t>사 도 신 경</a:t>
             </a:r>
@@ -11254,8 +11260,8 @@
               <a:solidFill>
                 <a:prstClr val="black"/>
               </a:solidFill>
-              <a:latin typeface="BM YEONSUNG OTF" panose="020B0600000101010101" pitchFamily="34" charset="-127"/>
-              <a:ea typeface="BM YEONSUNG OTF" panose="020B0600000101010101" pitchFamily="34" charset="-127"/>
+              <a:latin typeface="배달의민족 연성" panose="020B0600000101010101" pitchFamily="50" charset="-127"/>
+              <a:ea typeface="배달의민족 연성" panose="020B0600000101010101" pitchFamily="50" charset="-127"/>
             </a:endParaRPr>
           </a:p>
           <a:p>
@@ -11269,8 +11275,8 @@
                 <a:solidFill>
                   <a:prstClr val="black"/>
                 </a:solidFill>
-                <a:latin typeface="BM YEONSUNG OTF" panose="020B0600000101010101" pitchFamily="34" charset="-127"/>
-                <a:ea typeface="BM YEONSUNG OTF" panose="020B0600000101010101" pitchFamily="34" charset="-127"/>
+                <a:latin typeface="배달의민족 연성" panose="020B0600000101010101" pitchFamily="50" charset="-127"/>
+                <a:ea typeface="배달의민족 연성" panose="020B0600000101010101" pitchFamily="50" charset="-127"/>
               </a:rPr>
               <a:t>Apostles’ Creed</a:t>
             </a:r>
@@ -12960,36 +12966,6 @@
     </p:otherStyle>
   </p:txStyles>
 </p:sldMaster>
-</file>
-
-<file path=ppt/slides/slide1.xml><?xml version="1.0" encoding="utf-8"?>
-<p:sld xmlns:a="http://schemas.openxmlformats.org/drawingml/2006/main" xmlns:r="http://schemas.openxmlformats.org/officeDocument/2006/relationships" xmlns:p="http://schemas.openxmlformats.org/presentationml/2006/main">
-  <p:cSld>
-    <p:spTree>
-      <p:nvGrpSpPr>
-        <p:cNvPr id="1" name=""/>
-        <p:cNvGrpSpPr/>
-        <p:nvPr/>
-      </p:nvGrpSpPr>
-      <p:grpSpPr>
-        <a:xfrm>
-          <a:off x="0" y="0"/>
-          <a:ext cx="0" cy="0"/>
-          <a:chOff x="0" y="0"/>
-          <a:chExt cx="0" cy="0"/>
-        </a:xfrm>
-      </p:grpSpPr>
-    </p:spTree>
-    <p:extLst>
-      <p:ext uri="{BB962C8B-B14F-4D97-AF65-F5344CB8AC3E}">
-        <p14:creationId xmlns:p14="http://schemas.microsoft.com/office/powerpoint/2010/main" val="306342949"/>
-      </p:ext>
-    </p:extLst>
-  </p:cSld>
-  <p:clrMapOvr>
-    <a:masterClrMapping/>
-  </p:clrMapOvr>
-</p:sld>
 </file>
 
 <file path=ppt/theme/theme1.xml><?xml version="1.0" encoding="utf-8"?>
